--- a/presentation/ifood_case.pptx
+++ b/presentation/ifood_case.pptx
@@ -6331,7 +6331,7 @@
         </p:nvSpPr>
         <p:spPr>
           <a:xfrm rot="0">
-            <a:off x="1028700" y="3468446"/>
+            <a:off x="1028700" y="3392246"/>
             <a:ext cx="9546876" cy="1463167"/>
           </a:xfrm>
           <a:prstGeom prst="rect">
@@ -6456,8 +6456,8 @@
         </p:nvSpPr>
         <p:spPr>
           <a:xfrm rot="0">
-            <a:off x="1000125" y="5162550"/>
-            <a:ext cx="9404932" cy="1680210"/>
+            <a:off x="1000125" y="4986032"/>
+            <a:ext cx="9404932" cy="1918335"/>
           </a:xfrm>
           <a:prstGeom prst="rect">
             <a:avLst/>
@@ -6538,7 +6538,7 @@
                 <a:cs typeface="Poppins"/>
                 <a:sym typeface="Poppins"/>
               </a:rPr>
-              <a:t>rfeiçoamento do projeto seria incorporar melhor essas informações na base de dados</a:t>
+              <a:t>rfeiçoamento do projeto seria incorporar melhor essas informações na base de dados consolidada, considerando, por exemplo, uma janela de tempo no cálculo das features, o que permitiria diferenciar as ofertas feitas em momentos distintos</a:t>
             </a:r>
           </a:p>
         </p:txBody>
